--- a/trunk/swetha/basics/docs/careerscale Java training -IO.pptx
+++ b/trunk/swetha/basics/docs/careerscale Java training -IO.pptx
@@ -321,7 +321,7 @@
           <a:p>
             <a:fld id="{6EA59831-A4FD-404B-A574-E17A0D707D79}" type="datetimeFigureOut">
               <a:rPr lang="en-US" smtClean="0"/>
-              <a:t>10/24/2013</a:t>
+              <a:t>7/17/2014</a:t>
             </a:fld>
             <a:endParaRPr lang="en-US"/>
           </a:p>
@@ -1143,7 +1143,7 @@
           <a:p>
             <a:fld id="{7335BCAD-28A3-2344-B091-C05A95719D93}" type="datetime1">
               <a:rPr lang="en-US" smtClean="0"/>
-              <a:t>10/24/2013</a:t>
+              <a:t>7/17/2014</a:t>
             </a:fld>
             <a:endParaRPr lang="en-US"/>
           </a:p>
@@ -1313,7 +1313,7 @@
           <a:p>
             <a:fld id="{F2B52071-BC3D-194C-80EE-748C4FC80A05}" type="datetime1">
               <a:rPr lang="en-US" smtClean="0"/>
-              <a:t>10/24/2013</a:t>
+              <a:t>7/17/2014</a:t>
             </a:fld>
             <a:endParaRPr lang="en-US"/>
           </a:p>
@@ -1493,7 +1493,7 @@
           <a:p>
             <a:fld id="{D75BD0DF-E091-F54A-B991-4570D5265414}" type="datetime1">
               <a:rPr lang="en-US" smtClean="0"/>
-              <a:t>10/24/2013</a:t>
+              <a:t>7/17/2014</a:t>
             </a:fld>
             <a:endParaRPr lang="en-US"/>
           </a:p>
@@ -1663,7 +1663,7 @@
           <a:p>
             <a:fld id="{B59BAAC8-A4DE-8341-AB28-11AAE34E1314}" type="datetime1">
               <a:rPr lang="en-US" smtClean="0"/>
-              <a:t>10/24/2013</a:t>
+              <a:t>7/17/2014</a:t>
             </a:fld>
             <a:endParaRPr lang="en-US"/>
           </a:p>
@@ -1909,7 +1909,7 @@
           <a:p>
             <a:fld id="{452015B4-E5E9-0443-A493-BA477117441B}" type="datetime1">
               <a:rPr lang="en-US" smtClean="0"/>
-              <a:t>10/24/2013</a:t>
+              <a:t>7/17/2014</a:t>
             </a:fld>
             <a:endParaRPr lang="en-US"/>
           </a:p>
@@ -2197,7 +2197,7 @@
           <a:p>
             <a:fld id="{F6031484-A76B-FC49-953D-8EF79E6BF931}" type="datetime1">
               <a:rPr lang="en-US" smtClean="0"/>
-              <a:t>10/24/2013</a:t>
+              <a:t>7/17/2014</a:t>
             </a:fld>
             <a:endParaRPr lang="en-US"/>
           </a:p>
@@ -2619,7 +2619,7 @@
           <a:p>
             <a:fld id="{116C9722-D8C0-D44D-8937-4C0A36437D48}" type="datetime1">
               <a:rPr lang="en-US" smtClean="0"/>
-              <a:t>10/24/2013</a:t>
+              <a:t>7/17/2014</a:t>
             </a:fld>
             <a:endParaRPr lang="en-US"/>
           </a:p>
@@ -2737,7 +2737,7 @@
           <a:p>
             <a:fld id="{8EEABCDF-6945-8448-818E-02D7FAFF00FC}" type="datetime1">
               <a:rPr lang="en-US" smtClean="0"/>
-              <a:t>10/24/2013</a:t>
+              <a:t>7/17/2014</a:t>
             </a:fld>
             <a:endParaRPr lang="en-US"/>
           </a:p>
@@ -2832,7 +2832,7 @@
           <a:p>
             <a:fld id="{6BDC594B-4352-354E-957E-A6BD7381F993}" type="datetime1">
               <a:rPr lang="en-US" smtClean="0"/>
-              <a:t>10/24/2013</a:t>
+              <a:t>7/17/2014</a:t>
             </a:fld>
             <a:endParaRPr lang="en-US"/>
           </a:p>
@@ -3109,7 +3109,7 @@
           <a:p>
             <a:fld id="{7C3B09C4-C32A-7C49-8EBD-136015915A62}" type="datetime1">
               <a:rPr lang="en-US" smtClean="0"/>
-              <a:t>10/24/2013</a:t>
+              <a:t>7/17/2014</a:t>
             </a:fld>
             <a:endParaRPr lang="en-US"/>
           </a:p>
@@ -3362,7 +3362,7 @@
           <a:p>
             <a:fld id="{46B1F9E6-9FF6-6144-8C69-66DC0FD9BB46}" type="datetime1">
               <a:rPr lang="en-US" smtClean="0"/>
-              <a:t>10/24/2013</a:t>
+              <a:t>7/17/2014</a:t>
             </a:fld>
             <a:endParaRPr lang="en-US"/>
           </a:p>
@@ -3575,7 +3575,7 @@
           <a:p>
             <a:fld id="{C117D751-BA2E-5848-BDEF-37ADECBF10F3}" type="datetime1">
               <a:rPr lang="en-US" smtClean="0"/>
-              <a:t>10/24/2013</a:t>
+              <a:t>7/17/2014</a:t>
             </a:fld>
             <a:endParaRPr lang="en-US"/>
           </a:p>
@@ -4581,7 +4581,6 @@
               <a:rPr lang="en-US" dirty="0"/>
               <a:t> on an information source (a file, memory, a socket) and reads the information sequentially, as shown in the following figure.</a:t>
             </a:r>
-            <a:endParaRPr lang="en-US" dirty="0"/>
           </a:p>
         </p:txBody>
       </p:sp>
